--- a/React/lesson_24/Presentation/React_routing.pptx
+++ b/React/lesson_24/Presentation/React_routing.pptx
@@ -108,6 +108,22 @@
       </a:defRPr>
     </a:lvl9pPr>
   </p:defaultTextStyle>
+  <p:extLst>
+    <p:ext uri="{EFAFB233-063F-42B5-8137-9DF3F51BA10A}">
+      <p15:sldGuideLst xmlns:p15="http://schemas.microsoft.com/office/powerpoint/2012/main">
+        <p15:guide id="1" orient="horz" pos="2160">
+          <p15:clr>
+            <a:srgbClr val="A4A3A4"/>
+          </p15:clr>
+        </p15:guide>
+        <p15:guide id="2" pos="2880">
+          <p15:clr>
+            <a:srgbClr val="A4A3A4"/>
+          </p15:clr>
+        </p15:guide>
+      </p15:sldGuideLst>
+    </p:ext>
+  </p:extLst>
 </p:presentation>
 </file>
 
@@ -166,10 +182,9 @@
           </a:lstStyle>
           <a:p>
             <a:r>
-              <a:rPr lang="en-US" dirty="0" smtClean="0"/>
+              <a:rPr lang="en-US" dirty="0"/>
               <a:t>title style</a:t>
             </a:r>
-            <a:endParaRPr lang="en-US" dirty="0"/>
           </a:p>
         </p:txBody>
       </p:sp>
@@ -289,7 +304,7 @@
           </a:lstStyle>
           <a:p>
             <a:r>
-              <a:rPr lang="ru-RU" smtClean="0"/>
+              <a:rPr lang="ru-RU"/>
               <a:t>Образец подзаголовка</a:t>
             </a:r>
             <a:endParaRPr lang="en-US" dirty="0"/>
@@ -618,20 +633,13 @@
     </p:spTree>
     <p:extLst>
       <p:ext uri="{BB962C8B-B14F-4D97-AF65-F5344CB8AC3E}">
-        <p14:creationId xmlns:p14="http://schemas.microsoft.com/office/powerpoint/2010/main" xmlns="" val="3537187278"/>
+        <p14:creationId xmlns:p14="http://schemas.microsoft.com/office/powerpoint/2010/main" val="3537187278"/>
       </p:ext>
     </p:extLst>
   </p:cSld>
   <p:clrMapOvr>
     <a:overrideClrMapping bg1="lt1" tx1="dk1" bg2="lt2" tx2="dk2" accent1="accent1" accent2="accent2" accent3="accent3" accent4="accent4" accent5="accent5" accent6="accent6" hlink="hlink" folHlink="folHlink"/>
   </p:clrMapOvr>
-  <p:timing>
-    <p:tnLst>
-      <p:par>
-        <p:cTn id="1" dur="indefinite" restart="never" nodeType="tmRoot"/>
-      </p:par>
-    </p:tnLst>
-  </p:timing>
 </p:sldLayout>
 </file>
 
@@ -664,7 +672,7 @@
           <a:blip r:embed="rId2" cstate="print">
             <a:extLst>
               <a:ext uri="{28A0092B-C50C-407E-A947-70E740481C1C}">
-                <a14:useLocalDpi xmlns:a14="http://schemas.microsoft.com/office/drawing/2010/main" xmlns="" val="0"/>
+                <a14:useLocalDpi xmlns:a14="http://schemas.microsoft.com/office/drawing/2010/main" val="0"/>
               </a:ext>
             </a:extLst>
           </a:blip>
@@ -688,14 +696,14 @@
           <a:effectLst/>
           <a:extLst>
             <a:ext uri="{909E8E84-426E-40DD-AFC4-6F175D3DCCD1}">
-              <a14:hiddenFill xmlns:a14="http://schemas.microsoft.com/office/drawing/2010/main" xmlns="">
+              <a14:hiddenFill xmlns:a14="http://schemas.microsoft.com/office/drawing/2010/main">
                 <a:solidFill>
                   <a:schemeClr val="accent1"/>
                 </a:solidFill>
               </a14:hiddenFill>
             </a:ext>
             <a:ext uri="{91240B29-F687-4F45-9708-019B960494DF}">
-              <a14:hiddenLine xmlns:a14="http://schemas.microsoft.com/office/drawing/2010/main" xmlns="" w="9525">
+              <a14:hiddenLine xmlns:a14="http://schemas.microsoft.com/office/drawing/2010/main" w="9525">
                 <a:solidFill>
                   <a:schemeClr val="tx1"/>
                 </a:solidFill>
@@ -705,7 +713,7 @@
               </a14:hiddenLine>
             </a:ext>
             <a:ext uri="{AF507438-7753-43E0-B8FC-AC1667EBCBE1}">
-              <a14:hiddenEffects xmlns:a14="http://schemas.microsoft.com/office/drawing/2010/main" xmlns="">
+              <a14:hiddenEffects xmlns:a14="http://schemas.microsoft.com/office/drawing/2010/main">
                 <a:effectLst>
                   <a:outerShdw dist="35921" dir="2700000" algn="ctr" rotWithShape="0">
                     <a:schemeClr val="bg2"/>
@@ -800,7 +808,7 @@
           </a:lstStyle>
           <a:p>
             <a:r>
-              <a:rPr lang="ru-RU" smtClean="0"/>
+              <a:rPr lang="ru-RU"/>
               <a:t>Образец заголовка</a:t>
             </a:r>
             <a:endParaRPr lang="en-US" dirty="0"/>
@@ -837,7 +845,7 @@
           <a:p>
             <a:pPr lvl="4"/>
             <a:r>
-              <a:rPr lang="en-US" dirty="0" smtClean="0"/>
+              <a:rPr lang="en-US" dirty="0"/>
               <a:t>Subtitle</a:t>
             </a:r>
           </a:p>
@@ -846,20 +854,13 @@
     </p:spTree>
     <p:extLst>
       <p:ext uri="{BB962C8B-B14F-4D97-AF65-F5344CB8AC3E}">
-        <p14:creationId xmlns:p14="http://schemas.microsoft.com/office/powerpoint/2010/main" xmlns="" val="2097366919"/>
+        <p14:creationId xmlns:p14="http://schemas.microsoft.com/office/powerpoint/2010/main" val="2097366919"/>
       </p:ext>
     </p:extLst>
   </p:cSld>
   <p:clrMapOvr>
     <a:masterClrMapping/>
   </p:clrMapOvr>
-  <p:timing>
-    <p:tnLst>
-      <p:par>
-        <p:cTn id="1" dur="indefinite" restart="never" nodeType="tmRoot"/>
-      </p:par>
-    </p:tnLst>
-  </p:timing>
 </p:sldLayout>
 </file>
 
@@ -1368,7 +1369,7 @@
     </p:spTree>
     <p:extLst>
       <p:ext uri="{BB962C8B-B14F-4D97-AF65-F5344CB8AC3E}">
-        <p14:creationId xmlns:p14="http://schemas.microsoft.com/office/powerpoint/2010/main" xmlns="" val="3537187278"/>
+        <p14:creationId xmlns:p14="http://schemas.microsoft.com/office/powerpoint/2010/main" val="3537187278"/>
       </p:ext>
     </p:extLst>
   </p:cSld>
@@ -1426,7 +1427,7 @@
           <a:lstStyle/>
           <a:p>
             <a:r>
-              <a:rPr lang="ru-RU" smtClean="0"/>
+              <a:rPr lang="ru-RU"/>
               <a:t>Образец заголовка</a:t>
             </a:r>
             <a:endParaRPr lang="en-US"/>
@@ -1436,7 +1437,7 @@
     </p:spTree>
     <p:extLst>
       <p:ext uri="{BB962C8B-B14F-4D97-AF65-F5344CB8AC3E}">
-        <p14:creationId xmlns:p14="http://schemas.microsoft.com/office/powerpoint/2010/main" xmlns="" val="779007194"/>
+        <p14:creationId xmlns:p14="http://schemas.microsoft.com/office/powerpoint/2010/main" val="779007194"/>
       </p:ext>
     </p:extLst>
   </p:cSld>
@@ -1446,13 +1447,6 @@
     <p:sldLayoutId id="2147483664" r:id="rId2"/>
     <p:sldLayoutId id="2147483665" r:id="rId3"/>
   </p:sldLayoutIdLst>
-  <p:timing>
-    <p:tnLst>
-      <p:par>
-        <p:cTn id="1" dur="indefinite" restart="never" nodeType="tmRoot"/>
-      </p:par>
-    </p:tnLst>
-  </p:timing>
   <p:txStyles>
     <p:titleStyle>
       <a:lvl1pPr algn="ctr" defTabSz="914400" rtl="0" eaLnBrk="1" latinLnBrk="0" hangingPunct="1">
@@ -1836,7 +1830,7 @@
           <a:lstStyle/>
           <a:p>
             <a:r>
-              <a:rPr lang="ru-RU" sz="4400" dirty="0" smtClean="0">
+              <a:rPr lang="ru-RU" sz="4400" dirty="0">
                 <a:solidFill>
                   <a:srgbClr val="7564BC"/>
                 </a:solidFill>
@@ -1879,7 +1873,7 @@
     </p:spTree>
     <p:extLst>
       <p:ext uri="{BB962C8B-B14F-4D97-AF65-F5344CB8AC3E}">
-        <p14:creationId xmlns:p14="http://schemas.microsoft.com/office/powerpoint/2010/main" xmlns="" val="3436223543"/>
+        <p14:creationId xmlns:p14="http://schemas.microsoft.com/office/powerpoint/2010/main" val="3436223543"/>
       </p:ext>
     </p:extLst>
   </p:cSld>
@@ -1922,7 +1916,7 @@
           <a:lstStyle/>
           <a:p>
             <a:r>
-              <a:rPr lang="en-US" dirty="0" smtClean="0"/>
+              <a:rPr lang="en-US" dirty="0"/>
               <a:t>react-router</a:t>
             </a:r>
             <a:endParaRPr lang="uk-UA" dirty="0"/>
@@ -1955,34 +1949,28 @@
               <a:rPr lang="en-US" b="1" dirty="0">
                 <a:latin typeface="Calibri" pitchFamily="34" charset="0"/>
               </a:rPr>
-              <a:t>r</a:t>
-            </a:r>
-            <a:r>
-              <a:rPr lang="en-US" b="1" dirty="0" smtClean="0">
-                <a:latin typeface="Calibri" pitchFamily="34" charset="0"/>
-              </a:rPr>
-              <a:t>eact-router</a:t>
-            </a:r>
-            <a:r>
-              <a:rPr lang="en-US" dirty="0" smtClean="0">
+              <a:t>react-router</a:t>
+            </a:r>
+            <a:r>
+              <a:rPr lang="en-US" dirty="0">
                 <a:latin typeface="Calibri" pitchFamily="34" charset="0"/>
               </a:rPr>
               <a:t> – </a:t>
             </a:r>
             <a:r>
-              <a:rPr lang="ru-RU" dirty="0" smtClean="0">
+              <a:rPr lang="ru-RU" dirty="0">
                 <a:latin typeface="Calibri" pitchFamily="34" charset="0"/>
               </a:rPr>
               <a:t>библиотека для маршрутизации с использованием </a:t>
             </a:r>
             <a:r>
-              <a:rPr lang="en-US" dirty="0" err="1" smtClean="0">
+              <a:rPr lang="en-US" dirty="0" err="1">
                 <a:latin typeface="Calibri" pitchFamily="34" charset="0"/>
               </a:rPr>
               <a:t>ReactJS</a:t>
             </a:r>
             <a:r>
-              <a:rPr lang="en-US" dirty="0" smtClean="0">
+              <a:rPr lang="en-US" dirty="0">
                 <a:latin typeface="Calibri" pitchFamily="34" charset="0"/>
               </a:rPr>
               <a:t>. </a:t>
@@ -1995,13 +1983,13 @@
           </a:p>
           <a:p>
             <a:r>
-              <a:rPr lang="ru-RU" dirty="0" smtClean="0">
+              <a:rPr lang="ru-RU" dirty="0">
                 <a:latin typeface="Calibri" pitchFamily="34" charset="0"/>
               </a:rPr>
               <a:t>Пример использования</a:t>
             </a:r>
             <a:r>
-              <a:rPr lang="en-US" dirty="0" smtClean="0">
+              <a:rPr lang="en-US" dirty="0">
                 <a:latin typeface="Calibri" pitchFamily="34" charset="0"/>
               </a:rPr>
               <a:t>: </a:t>
@@ -2045,228 +2033,304 @@
           <a:lstStyle/>
           <a:p>
             <a:r>
-              <a:rPr lang="en-US" dirty="0" err="1" smtClean="0"/>
-              <a:t>ReactDOM</a:t>
-            </a:r>
-            <a:r>
-              <a:rPr lang="en-US" dirty="0" err="1"/>
-              <a:t>.</a:t>
-            </a:r>
-            <a:r>
-              <a:rPr lang="en-US" dirty="0" err="1" smtClean="0"/>
-              <a:t>render</a:t>
-            </a:r>
-            <a:r>
-              <a:rPr lang="en-US" dirty="0" smtClean="0"/>
+              <a:rPr lang="en-US" dirty="0" err="1">
+                <a:latin typeface="Calibri" panose="020F0502020204030204" pitchFamily="34" charset="0"/>
+                <a:cs typeface="Calibri" panose="020F0502020204030204" pitchFamily="34" charset="0"/>
+              </a:rPr>
+              <a:t>ReactDOM.render</a:t>
+            </a:r>
+            <a:r>
+              <a:rPr lang="en-US" dirty="0">
+                <a:latin typeface="Calibri" panose="020F0502020204030204" pitchFamily="34" charset="0"/>
+                <a:cs typeface="Calibri" panose="020F0502020204030204" pitchFamily="34" charset="0"/>
+              </a:rPr>
               <a:t>(( </a:t>
             </a:r>
           </a:p>
           <a:p>
             <a:r>
-              <a:rPr lang="en-US" dirty="0"/>
+              <a:rPr lang="en-US" dirty="0">
+                <a:latin typeface="Calibri" panose="020F0502020204030204" pitchFamily="34" charset="0"/>
+                <a:cs typeface="Calibri" panose="020F0502020204030204" pitchFamily="34" charset="0"/>
+              </a:rPr>
+              <a:t>      &lt;</a:t>
+            </a:r>
+            <a:r>
+              <a:rPr lang="en-US" dirty="0">
+                <a:solidFill>
+                  <a:srgbClr val="C00000"/>
+                </a:solidFill>
+                <a:latin typeface="Calibri" panose="020F0502020204030204" pitchFamily="34" charset="0"/>
+                <a:cs typeface="Calibri" panose="020F0502020204030204" pitchFamily="34" charset="0"/>
+              </a:rPr>
+              <a:t>Router</a:t>
+            </a:r>
+            <a:r>
+              <a:rPr lang="en-US" dirty="0">
+                <a:latin typeface="Calibri" panose="020F0502020204030204" pitchFamily="34" charset="0"/>
+                <a:cs typeface="Calibri" panose="020F0502020204030204" pitchFamily="34" charset="0"/>
+              </a:rPr>
+              <a:t> history={hashHistory}&gt;</a:t>
+            </a:r>
+          </a:p>
+          <a:p>
+            <a:r>
+              <a:rPr lang="en-US" dirty="0">
+                <a:latin typeface="Calibri" panose="020F0502020204030204" pitchFamily="34" charset="0"/>
+                <a:cs typeface="Calibri" panose="020F0502020204030204" pitchFamily="34" charset="0"/>
+              </a:rPr>
+              <a:t>           &lt;</a:t>
+            </a:r>
+            <a:r>
+              <a:rPr lang="en-US" dirty="0">
+                <a:solidFill>
+                  <a:srgbClr val="C00000"/>
+                </a:solidFill>
+                <a:latin typeface="Calibri" panose="020F0502020204030204" pitchFamily="34" charset="0"/>
+                <a:cs typeface="Calibri" panose="020F0502020204030204" pitchFamily="34" charset="0"/>
+              </a:rPr>
+              <a:t>Route</a:t>
+            </a:r>
+            <a:r>
+              <a:rPr lang="en-US" dirty="0">
+                <a:latin typeface="Calibri" panose="020F0502020204030204" pitchFamily="34" charset="0"/>
+                <a:cs typeface="Calibri" panose="020F0502020204030204" pitchFamily="34" charset="0"/>
+              </a:rPr>
               <a:t> </a:t>
             </a:r>
             <a:r>
-              <a:rPr lang="en-US" dirty="0" smtClean="0"/>
-              <a:t>     &lt;Router history</a:t>
-            </a:r>
-            <a:r>
-              <a:rPr lang="en-US" dirty="0"/>
-              <a:t>=</a:t>
-            </a:r>
-            <a:r>
-              <a:rPr lang="en-US" dirty="0" smtClean="0"/>
-              <a:t>{hashHistory}&gt;</a:t>
-            </a:r>
-          </a:p>
-          <a:p>
-            <a:r>
-              <a:rPr lang="en-US" dirty="0"/>
+              <a:rPr lang="en-US" dirty="0">
+                <a:solidFill>
+                  <a:srgbClr val="FF0000"/>
+                </a:solidFill>
+                <a:latin typeface="Calibri" panose="020F0502020204030204" pitchFamily="34" charset="0"/>
+                <a:cs typeface="Calibri" panose="020F0502020204030204" pitchFamily="34" charset="0"/>
+              </a:rPr>
+              <a:t>path</a:t>
+            </a:r>
+            <a:r>
+              <a:rPr lang="en-US" dirty="0">
+                <a:latin typeface="Calibri" panose="020F0502020204030204" pitchFamily="34" charset="0"/>
+                <a:cs typeface="Calibri" panose="020F0502020204030204" pitchFamily="34" charset="0"/>
+              </a:rPr>
+              <a:t>="/" component={App}&gt; </a:t>
+            </a:r>
+          </a:p>
+          <a:p>
+            <a:r>
+              <a:rPr lang="en-US" dirty="0">
+                <a:latin typeface="Calibri" panose="020F0502020204030204" pitchFamily="34" charset="0"/>
+                <a:cs typeface="Calibri" panose="020F0502020204030204" pitchFamily="34" charset="0"/>
+              </a:rPr>
+              <a:t>               &lt;</a:t>
+            </a:r>
+            <a:r>
+              <a:rPr lang="en-US" dirty="0" err="1">
+                <a:solidFill>
+                  <a:srgbClr val="C00000"/>
+                </a:solidFill>
+                <a:latin typeface="Calibri" panose="020F0502020204030204" pitchFamily="34" charset="0"/>
+                <a:cs typeface="Calibri" panose="020F0502020204030204" pitchFamily="34" charset="0"/>
+              </a:rPr>
+              <a:t>IndexRoute</a:t>
+            </a:r>
+            <a:r>
+              <a:rPr lang="en-US" dirty="0">
+                <a:latin typeface="Calibri" panose="020F0502020204030204" pitchFamily="34" charset="0"/>
+                <a:cs typeface="Calibri" panose="020F0502020204030204" pitchFamily="34" charset="0"/>
+              </a:rPr>
+              <a:t> component={Home} /&gt; </a:t>
+            </a:r>
+          </a:p>
+          <a:p>
+            <a:r>
+              <a:rPr lang="en-US" dirty="0">
+                <a:latin typeface="Calibri" panose="020F0502020204030204" pitchFamily="34" charset="0"/>
+                <a:cs typeface="Calibri" panose="020F0502020204030204" pitchFamily="34" charset="0"/>
+              </a:rPr>
+              <a:t>               &lt;</a:t>
+            </a:r>
+            <a:r>
+              <a:rPr lang="en-US" dirty="0">
+                <a:solidFill>
+                  <a:srgbClr val="C00000"/>
+                </a:solidFill>
+                <a:latin typeface="Calibri" panose="020F0502020204030204" pitchFamily="34" charset="0"/>
+                <a:cs typeface="Calibri" panose="020F0502020204030204" pitchFamily="34" charset="0"/>
+              </a:rPr>
+              <a:t>Route</a:t>
+            </a:r>
+            <a:r>
+              <a:rPr lang="en-US" dirty="0">
+                <a:latin typeface="Calibri" panose="020F0502020204030204" pitchFamily="34" charset="0"/>
+                <a:cs typeface="Calibri" panose="020F0502020204030204" pitchFamily="34" charset="0"/>
+              </a:rPr>
               <a:t> </a:t>
             </a:r>
             <a:r>
-              <a:rPr lang="en-US" dirty="0" smtClean="0"/>
-              <a:t>          &lt;Route path</a:t>
-            </a:r>
-            <a:r>
-              <a:rPr lang="en-US" dirty="0"/>
-              <a:t>="/"</a:t>
-            </a:r>
-            <a:r>
-              <a:rPr lang="en-US" dirty="0" smtClean="0"/>
-              <a:t> component</a:t>
-            </a:r>
-            <a:r>
-              <a:rPr lang="en-US" dirty="0"/>
-              <a:t>=</a:t>
-            </a:r>
-            <a:r>
-              <a:rPr lang="en-US" dirty="0" smtClean="0"/>
-              <a:t>{App}</a:t>
-            </a:r>
-            <a:r>
-              <a:rPr lang="en-US" dirty="0"/>
-              <a:t>&gt;</a:t>
-            </a:r>
-            <a:r>
-              <a:rPr lang="en-US" dirty="0" smtClean="0"/>
+              <a:rPr lang="en-US" dirty="0">
+                <a:solidFill>
+                  <a:srgbClr val="FF0000"/>
+                </a:solidFill>
+                <a:latin typeface="Calibri" panose="020F0502020204030204" pitchFamily="34" charset="0"/>
+                <a:cs typeface="Calibri" panose="020F0502020204030204" pitchFamily="34" charset="0"/>
+              </a:rPr>
+              <a:t>path</a:t>
+            </a:r>
+            <a:r>
+              <a:rPr lang="en-US" dirty="0">
+                <a:latin typeface="Calibri" panose="020F0502020204030204" pitchFamily="34" charset="0"/>
+                <a:cs typeface="Calibri" panose="020F0502020204030204" pitchFamily="34" charset="0"/>
+              </a:rPr>
+              <a:t>="</a:t>
+            </a:r>
+            <a:r>
+              <a:rPr lang="en-US" dirty="0">
+                <a:solidFill>
+                  <a:srgbClr val="0070C0"/>
+                </a:solidFill>
+                <a:latin typeface="Calibri" panose="020F0502020204030204" pitchFamily="34" charset="0"/>
+                <a:cs typeface="Calibri" panose="020F0502020204030204" pitchFamily="34" charset="0"/>
+              </a:rPr>
+              <a:t>about</a:t>
+            </a:r>
+            <a:r>
+              <a:rPr lang="en-US" dirty="0">
+                <a:latin typeface="Calibri" panose="020F0502020204030204" pitchFamily="34" charset="0"/>
+                <a:cs typeface="Calibri" panose="020F0502020204030204" pitchFamily="34" charset="0"/>
+              </a:rPr>
+              <a:t>" component={About} /&gt; </a:t>
+            </a:r>
+          </a:p>
+          <a:p>
+            <a:r>
+              <a:rPr lang="en-US" dirty="0">
+                <a:latin typeface="Calibri" panose="020F0502020204030204" pitchFamily="34" charset="0"/>
+                <a:cs typeface="Calibri" panose="020F0502020204030204" pitchFamily="34" charset="0"/>
+              </a:rPr>
+              <a:t>               &lt;</a:t>
+            </a:r>
+            <a:r>
+              <a:rPr lang="en-US" dirty="0">
+                <a:solidFill>
+                  <a:srgbClr val="C00000"/>
+                </a:solidFill>
+                <a:latin typeface="Calibri" panose="020F0502020204030204" pitchFamily="34" charset="0"/>
+                <a:cs typeface="Calibri" panose="020F0502020204030204" pitchFamily="34" charset="0"/>
+              </a:rPr>
+              <a:t>Route</a:t>
+            </a:r>
+            <a:r>
+              <a:rPr lang="en-US" dirty="0">
+                <a:latin typeface="Calibri" panose="020F0502020204030204" pitchFamily="34" charset="0"/>
+                <a:cs typeface="Calibri" panose="020F0502020204030204" pitchFamily="34" charset="0"/>
+              </a:rPr>
               <a:t> </a:t>
             </a:r>
-          </a:p>
-          <a:p>
-            <a:r>
-              <a:rPr lang="en-US" dirty="0"/>
-              <a:t> </a:t>
-            </a:r>
-            <a:r>
-              <a:rPr lang="en-US" dirty="0" smtClean="0"/>
-              <a:t>              &lt;</a:t>
-            </a:r>
-            <a:r>
-              <a:rPr lang="en-US" dirty="0" err="1" smtClean="0"/>
-              <a:t>IndexRoute</a:t>
-            </a:r>
-            <a:r>
-              <a:rPr lang="en-US" dirty="0" smtClean="0"/>
-              <a:t> component</a:t>
-            </a:r>
-            <a:r>
-              <a:rPr lang="en-US" dirty="0"/>
-              <a:t>=</a:t>
-            </a:r>
-            <a:r>
-              <a:rPr lang="en-US" dirty="0" smtClean="0"/>
-              <a:t>{Home} </a:t>
-            </a:r>
-            <a:r>
-              <a:rPr lang="en-US" dirty="0"/>
-              <a:t>/&gt;</a:t>
-            </a:r>
-            <a:r>
-              <a:rPr lang="en-US" dirty="0" smtClean="0"/>
-              <a:t> </a:t>
-            </a:r>
-          </a:p>
-          <a:p>
-            <a:r>
-              <a:rPr lang="en-US" dirty="0"/>
-              <a:t> </a:t>
-            </a:r>
-            <a:r>
-              <a:rPr lang="en-US" dirty="0" smtClean="0"/>
-              <a:t>              &lt;Route path</a:t>
-            </a:r>
-            <a:r>
-              <a:rPr lang="en-US" dirty="0"/>
-              <a:t>="about"</a:t>
-            </a:r>
-            <a:r>
-              <a:rPr lang="en-US" dirty="0" smtClean="0"/>
-              <a:t> component</a:t>
-            </a:r>
-            <a:r>
-              <a:rPr lang="en-US" dirty="0"/>
-              <a:t>=</a:t>
-            </a:r>
-            <a:r>
-              <a:rPr lang="en-US" dirty="0" smtClean="0"/>
-              <a:t>{About} </a:t>
-            </a:r>
-            <a:r>
-              <a:rPr lang="en-US" dirty="0"/>
-              <a:t>/&gt;</a:t>
-            </a:r>
-            <a:r>
-              <a:rPr lang="en-US" dirty="0" smtClean="0"/>
-              <a:t> </a:t>
-            </a:r>
-          </a:p>
-          <a:p>
-            <a:r>
-              <a:rPr lang="en-US" dirty="0"/>
-              <a:t> </a:t>
-            </a:r>
-            <a:r>
-              <a:rPr lang="en-US" dirty="0" smtClean="0"/>
-              <a:t>              &lt;Route path</a:t>
-            </a:r>
-            <a:r>
-              <a:rPr lang="en-US" dirty="0"/>
-              <a:t>="inbox"</a:t>
-            </a:r>
-            <a:r>
-              <a:rPr lang="en-US" dirty="0" smtClean="0"/>
-              <a:t> component</a:t>
-            </a:r>
-            <a:r>
-              <a:rPr lang="en-US" dirty="0"/>
-              <a:t>=</a:t>
-            </a:r>
-            <a:r>
-              <a:rPr lang="en-US" dirty="0" smtClean="0"/>
-              <a:t>{Inbox} </a:t>
-            </a:r>
-            <a:r>
-              <a:rPr lang="en-US" dirty="0"/>
-              <a:t>/&gt;</a:t>
-            </a:r>
-            <a:r>
-              <a:rPr lang="en-US" dirty="0" smtClean="0"/>
-              <a:t> </a:t>
-            </a:r>
-          </a:p>
-          <a:p>
-            <a:r>
-              <a:rPr lang="en-US" dirty="0"/>
-              <a:t> </a:t>
-            </a:r>
-            <a:r>
-              <a:rPr lang="en-US" dirty="0" smtClean="0"/>
-              <a:t>         &lt;/Route</a:t>
-            </a:r>
-            <a:r>
-              <a:rPr lang="en-US" dirty="0"/>
-              <a:t>&gt;</a:t>
-            </a:r>
-            <a:r>
-              <a:rPr lang="en-US" dirty="0" smtClean="0"/>
-              <a:t> </a:t>
-            </a:r>
-          </a:p>
-          <a:p>
-            <a:r>
-              <a:rPr lang="en-US" dirty="0"/>
-              <a:t> </a:t>
-            </a:r>
-            <a:r>
-              <a:rPr lang="en-US" dirty="0" smtClean="0"/>
-              <a:t>   &lt;/Router</a:t>
-            </a:r>
-            <a:r>
-              <a:rPr lang="en-US" dirty="0"/>
-              <a:t>&gt;</a:t>
-            </a:r>
-            <a:r>
-              <a:rPr lang="en-US" dirty="0" smtClean="0"/>
-              <a:t> ), </a:t>
-            </a:r>
-            <a:r>
-              <a:rPr lang="en-US" dirty="0" err="1"/>
-              <a:t>document</a:t>
-            </a:r>
-            <a:r>
-              <a:rPr lang="en-US" dirty="0" err="1" smtClean="0"/>
-              <a:t>.</a:t>
-            </a:r>
-            <a:r>
-              <a:rPr lang="en-US" dirty="0" err="1"/>
-              <a:t>body</a:t>
-            </a:r>
-            <a:r>
-              <a:rPr lang="en-US" dirty="0" smtClean="0"/>
+            <a:r>
+              <a:rPr lang="en-US" dirty="0">
+                <a:solidFill>
+                  <a:srgbClr val="FF0000"/>
+                </a:solidFill>
+                <a:latin typeface="Calibri" panose="020F0502020204030204" pitchFamily="34" charset="0"/>
+                <a:cs typeface="Calibri" panose="020F0502020204030204" pitchFamily="34" charset="0"/>
+              </a:rPr>
+              <a:t>path</a:t>
+            </a:r>
+            <a:r>
+              <a:rPr lang="en-US" dirty="0">
+                <a:latin typeface="Calibri" panose="020F0502020204030204" pitchFamily="34" charset="0"/>
+                <a:cs typeface="Calibri" panose="020F0502020204030204" pitchFamily="34" charset="0"/>
+              </a:rPr>
+              <a:t>="</a:t>
+            </a:r>
+            <a:r>
+              <a:rPr lang="en-US" dirty="0">
+                <a:solidFill>
+                  <a:srgbClr val="0070C0"/>
+                </a:solidFill>
+                <a:latin typeface="Calibri" panose="020F0502020204030204" pitchFamily="34" charset="0"/>
+                <a:cs typeface="Calibri" panose="020F0502020204030204" pitchFamily="34" charset="0"/>
+              </a:rPr>
+              <a:t>inbox</a:t>
+            </a:r>
+            <a:r>
+              <a:rPr lang="en-US" dirty="0">
+                <a:latin typeface="Calibri" panose="020F0502020204030204" pitchFamily="34" charset="0"/>
+                <a:cs typeface="Calibri" panose="020F0502020204030204" pitchFamily="34" charset="0"/>
+              </a:rPr>
+              <a:t>" component={Inbox} /&gt; </a:t>
+            </a:r>
+          </a:p>
+          <a:p>
+            <a:r>
+              <a:rPr lang="en-US" dirty="0">
+                <a:latin typeface="Calibri" panose="020F0502020204030204" pitchFamily="34" charset="0"/>
+                <a:cs typeface="Calibri" panose="020F0502020204030204" pitchFamily="34" charset="0"/>
+              </a:rPr>
+              <a:t>          &lt;/</a:t>
+            </a:r>
+            <a:r>
+              <a:rPr lang="en-US" dirty="0">
+                <a:solidFill>
+                  <a:srgbClr val="C00000"/>
+                </a:solidFill>
+                <a:latin typeface="Calibri" panose="020F0502020204030204" pitchFamily="34" charset="0"/>
+                <a:cs typeface="Calibri" panose="020F0502020204030204" pitchFamily="34" charset="0"/>
+              </a:rPr>
+              <a:t>Route</a:t>
+            </a:r>
+            <a:r>
+              <a:rPr lang="en-US" dirty="0">
+                <a:latin typeface="Calibri" panose="020F0502020204030204" pitchFamily="34" charset="0"/>
+                <a:cs typeface="Calibri" panose="020F0502020204030204" pitchFamily="34" charset="0"/>
+              </a:rPr>
+              <a:t>&gt; </a:t>
+            </a:r>
+          </a:p>
+          <a:p>
+            <a:r>
+              <a:rPr lang="en-US" dirty="0">
+                <a:latin typeface="Calibri" panose="020F0502020204030204" pitchFamily="34" charset="0"/>
+                <a:cs typeface="Calibri" panose="020F0502020204030204" pitchFamily="34" charset="0"/>
+              </a:rPr>
+              <a:t>    &lt;/</a:t>
+            </a:r>
+            <a:r>
+              <a:rPr lang="en-US" dirty="0">
+                <a:solidFill>
+                  <a:srgbClr val="C00000"/>
+                </a:solidFill>
+                <a:latin typeface="Calibri" panose="020F0502020204030204" pitchFamily="34" charset="0"/>
+                <a:cs typeface="Calibri" panose="020F0502020204030204" pitchFamily="34" charset="0"/>
+              </a:rPr>
+              <a:t>Router</a:t>
+            </a:r>
+            <a:r>
+              <a:rPr lang="en-US" dirty="0">
+                <a:latin typeface="Calibri" panose="020F0502020204030204" pitchFamily="34" charset="0"/>
+                <a:cs typeface="Calibri" panose="020F0502020204030204" pitchFamily="34" charset="0"/>
+              </a:rPr>
+              <a:t>&gt; ), </a:t>
+            </a:r>
+            <a:r>
+              <a:rPr lang="en-US" dirty="0" err="1">
+                <a:latin typeface="Calibri" panose="020F0502020204030204" pitchFamily="34" charset="0"/>
+                <a:cs typeface="Calibri" panose="020F0502020204030204" pitchFamily="34" charset="0"/>
+              </a:rPr>
+              <a:t>document.body</a:t>
+            </a:r>
+            <a:r>
+              <a:rPr lang="en-US" dirty="0">
+                <a:latin typeface="Calibri" panose="020F0502020204030204" pitchFamily="34" charset="0"/>
+                <a:cs typeface="Calibri" panose="020F0502020204030204" pitchFamily="34" charset="0"/>
+              </a:rPr>
               <a:t>)</a:t>
             </a:r>
-            <a:endParaRPr lang="uk-UA" dirty="0"/>
+            <a:endParaRPr lang="uk-UA" dirty="0">
+              <a:latin typeface="Calibri" panose="020F0502020204030204" pitchFamily="34" charset="0"/>
+              <a:cs typeface="Calibri" panose="020F0502020204030204" pitchFamily="34" charset="0"/>
+            </a:endParaRPr>
           </a:p>
         </p:txBody>
       </p:sp>
@@ -2293,19 +2357,19 @@
           <a:lstStyle/>
           <a:p>
             <a:r>
-              <a:rPr lang="ru-RU" dirty="0" smtClean="0">
+              <a:rPr lang="ru-RU" dirty="0">
                 <a:latin typeface="Calibri" pitchFamily="34" charset="0"/>
               </a:rPr>
               <a:t>Как видно из примера, </a:t>
             </a:r>
             <a:r>
-              <a:rPr lang="en-US" dirty="0" smtClean="0">
+              <a:rPr lang="en-US" dirty="0">
                 <a:latin typeface="Calibri" pitchFamily="34" charset="0"/>
               </a:rPr>
               <a:t>react-router </a:t>
             </a:r>
             <a:r>
-              <a:rPr lang="ru-RU" dirty="0" smtClean="0">
+              <a:rPr lang="ru-RU" dirty="0">
                 <a:latin typeface="Calibri" pitchFamily="34" charset="0"/>
               </a:rPr>
               <a:t>поддерживает вложенные пути.  </a:t>
@@ -2357,7 +2421,7 @@
           <a:lstStyle/>
           <a:p>
             <a:r>
-              <a:rPr lang="en-US" dirty="0" smtClean="0"/>
+              <a:rPr lang="en-US" dirty="0"/>
               <a:t>react-router</a:t>
             </a:r>
             <a:endParaRPr lang="uk-UA" dirty="0"/>
@@ -2387,42 +2451,42 @@
           <a:lstStyle/>
           <a:p>
             <a:r>
-              <a:rPr lang="ru-RU" dirty="0" smtClean="0">
+              <a:rPr lang="ru-RU" dirty="0">
                 <a:latin typeface="Calibri" pitchFamily="34" charset="0"/>
               </a:rPr>
               <a:t>В </a:t>
             </a:r>
             <a:r>
-              <a:rPr lang="en-US" dirty="0" smtClean="0">
+              <a:rPr lang="en-US" dirty="0">
                 <a:latin typeface="Calibri" pitchFamily="34" charset="0"/>
               </a:rPr>
               <a:t>react-router </a:t>
             </a:r>
             <a:r>
-              <a:rPr lang="ru-RU" dirty="0" smtClean="0">
+              <a:rPr lang="ru-RU" dirty="0">
                 <a:latin typeface="Calibri" pitchFamily="34" charset="0"/>
               </a:rPr>
               <a:t>также есть возможность задавать конфигурацию маршрутизации в виде обычного </a:t>
             </a:r>
             <a:r>
-              <a:rPr lang="en-US" dirty="0" smtClean="0">
+              <a:rPr lang="en-US" dirty="0">
                 <a:latin typeface="Calibri" pitchFamily="34" charset="0"/>
               </a:rPr>
               <a:t>JS-</a:t>
             </a:r>
             <a:r>
-              <a:rPr lang="ru-RU" dirty="0" smtClean="0">
+              <a:rPr lang="ru-RU" dirty="0">
                 <a:latin typeface="Calibri" pitchFamily="34" charset="0"/>
               </a:rPr>
               <a:t>объекта</a:t>
             </a:r>
             <a:r>
-              <a:rPr lang="en-US" dirty="0" smtClean="0">
+              <a:rPr lang="en-US" dirty="0">
                 <a:latin typeface="Calibri" pitchFamily="34" charset="0"/>
               </a:rPr>
               <a:t>: </a:t>
             </a:r>
-            <a:endParaRPr lang="uk-UA" dirty="0" smtClean="0">
+            <a:endParaRPr lang="uk-UA" dirty="0">
               <a:latin typeface="Calibri" pitchFamily="34" charset="0"/>
             </a:endParaRPr>
           </a:p>
@@ -2467,418 +2531,205 @@
               <a:rPr lang="en-US" dirty="0">
                 <a:latin typeface="Calibri" pitchFamily="34" charset="0"/>
               </a:rPr>
-              <a:t>const</a:t>
-            </a:r>
-            <a:r>
-              <a:rPr lang="en-US" dirty="0" smtClean="0">
+              <a:t>const routes = { </a:t>
+            </a:r>
+          </a:p>
+          <a:p>
+            <a:r>
+              <a:rPr lang="en-US" dirty="0">
+                <a:latin typeface="Calibri" pitchFamily="34" charset="0"/>
+              </a:rPr>
+              <a:t>     path: '/', </a:t>
+            </a:r>
+          </a:p>
+          <a:p>
+            <a:r>
+              <a:rPr lang="en-US" dirty="0">
+                <a:latin typeface="Calibri" pitchFamily="34" charset="0"/>
+              </a:rPr>
+              <a:t>     component: App, </a:t>
+            </a:r>
+          </a:p>
+          <a:p>
+            <a:r>
+              <a:rPr lang="en-US" dirty="0">
+                <a:latin typeface="Calibri" pitchFamily="34" charset="0"/>
+              </a:rPr>
+              <a:t>     </a:t>
+            </a:r>
+            <a:r>
+              <a:rPr lang="en-US" dirty="0" err="1">
+                <a:latin typeface="Calibri" pitchFamily="34" charset="0"/>
+              </a:rPr>
+              <a:t>indexRoute</a:t>
+            </a:r>
+            <a:r>
+              <a:rPr lang="en-US" dirty="0">
+                <a:latin typeface="Calibri" pitchFamily="34" charset="0"/>
+              </a:rPr>
+              <a:t>: { </a:t>
+            </a:r>
+          </a:p>
+          <a:p>
+            <a:r>
+              <a:rPr lang="en-US" dirty="0">
+                <a:latin typeface="Calibri" pitchFamily="34" charset="0"/>
+              </a:rPr>
+              <a:t>           component: Home </a:t>
+            </a:r>
+          </a:p>
+          <a:p>
+            <a:r>
+              <a:rPr lang="en-US" dirty="0">
+                <a:latin typeface="Calibri" pitchFamily="34" charset="0"/>
+              </a:rPr>
+              <a:t>           }, </a:t>
+            </a:r>
+          </a:p>
+          <a:p>
+            <a:r>
+              <a:rPr lang="en-US" dirty="0">
+                <a:latin typeface="Calibri" pitchFamily="34" charset="0"/>
+              </a:rPr>
+              <a:t>     </a:t>
+            </a:r>
+            <a:r>
+              <a:rPr lang="en-US" dirty="0" err="1">
+                <a:latin typeface="Calibri" pitchFamily="34" charset="0"/>
+              </a:rPr>
+              <a:t>childRoutes</a:t>
+            </a:r>
+            <a:r>
+              <a:rPr lang="en-US" dirty="0">
+                <a:latin typeface="Calibri" pitchFamily="34" charset="0"/>
+              </a:rPr>
+              <a:t>: [ { </a:t>
+            </a:r>
+          </a:p>
+          <a:p>
+            <a:r>
+              <a:rPr lang="en-US" dirty="0">
+                <a:latin typeface="Calibri" pitchFamily="34" charset="0"/>
+              </a:rPr>
+              <a:t>            path: 'about', </a:t>
+            </a:r>
+          </a:p>
+          <a:p>
+            <a:r>
+              <a:rPr lang="en-US" dirty="0">
+                <a:latin typeface="Calibri" pitchFamily="34" charset="0"/>
+              </a:rPr>
+              <a:t>            component: About </a:t>
+            </a:r>
+          </a:p>
+          <a:p>
+            <a:r>
+              <a:rPr lang="en-US" dirty="0">
+                <a:latin typeface="Calibri" pitchFamily="34" charset="0"/>
+              </a:rPr>
+              <a:t>            }, </a:t>
+            </a:r>
+          </a:p>
+          <a:p>
+            <a:r>
+              <a:rPr lang="en-US" dirty="0">
+                <a:latin typeface="Calibri" pitchFamily="34" charset="0"/>
+              </a:rPr>
+              <a:t>            { </a:t>
+            </a:r>
+          </a:p>
+          <a:p>
+            <a:r>
+              <a:rPr lang="en-US" dirty="0">
+                <a:latin typeface="Calibri" pitchFamily="34" charset="0"/>
+              </a:rPr>
+              <a:t>            path: 'inbox', </a:t>
+            </a:r>
+          </a:p>
+          <a:p>
+            <a:r>
+              <a:rPr lang="en-US" dirty="0">
+                <a:latin typeface="Calibri" pitchFamily="34" charset="0"/>
+              </a:rPr>
+              <a:t>            component: Inbox </a:t>
+            </a:r>
+          </a:p>
+          <a:p>
+            <a:r>
+              <a:rPr lang="en-US" dirty="0">
+                <a:latin typeface="Calibri" pitchFamily="34" charset="0"/>
+              </a:rPr>
+              <a:t>       }, ] </a:t>
+            </a:r>
+          </a:p>
+          <a:p>
+            <a:r>
+              <a:rPr lang="en-US" dirty="0">
+                <a:latin typeface="Calibri" pitchFamily="34" charset="0"/>
+              </a:rPr>
+              <a:t>} </a:t>
+            </a:r>
+          </a:p>
+          <a:p>
+            <a:r>
+              <a:rPr lang="en-US" dirty="0">
+                <a:latin typeface="Calibri" pitchFamily="34" charset="0"/>
+              </a:rPr>
+              <a:t>render(&lt;</a:t>
+            </a:r>
+            <a:r>
+              <a:rPr lang="en-US" dirty="0">
+                <a:solidFill>
+                  <a:srgbClr val="C00000"/>
+                </a:solidFill>
+                <a:latin typeface="Calibri" pitchFamily="34" charset="0"/>
+              </a:rPr>
+              <a:t>Router</a:t>
+            </a:r>
+            <a:r>
+              <a:rPr lang="en-US" dirty="0">
                 <a:latin typeface="Calibri" pitchFamily="34" charset="0"/>
               </a:rPr>
               <a:t> </a:t>
             </a:r>
             <a:r>
               <a:rPr lang="en-US" dirty="0">
+                <a:solidFill>
+                  <a:srgbClr val="FF0000"/>
+                </a:solidFill>
+                <a:latin typeface="Calibri" pitchFamily="34" charset="0"/>
+              </a:rPr>
+              <a:t>history</a:t>
+            </a:r>
+            <a:r>
+              <a:rPr lang="en-US" dirty="0">
+                <a:latin typeface="Calibri" pitchFamily="34" charset="0"/>
+              </a:rPr>
+              <a:t>={hashHistory} </a:t>
+            </a:r>
+            <a:r>
+              <a:rPr lang="en-US" dirty="0">
+                <a:solidFill>
+                  <a:srgbClr val="FF0000"/>
+                </a:solidFill>
                 <a:latin typeface="Calibri" pitchFamily="34" charset="0"/>
               </a:rPr>
               <a:t>routes</a:t>
             </a:r>
             <a:r>
-              <a:rPr lang="en-US" dirty="0" smtClean="0">
-                <a:latin typeface="Calibri" pitchFamily="34" charset="0"/>
-              </a:rPr>
-              <a:t> </a:t>
-            </a:r>
-            <a:r>
-              <a:rPr lang="en-US" dirty="0">
-                <a:latin typeface="Calibri" pitchFamily="34" charset="0"/>
-              </a:rPr>
-              <a:t>=</a:t>
-            </a:r>
-            <a:r>
-              <a:rPr lang="en-US" dirty="0" smtClean="0">
-                <a:latin typeface="Calibri" pitchFamily="34" charset="0"/>
-              </a:rPr>
-              <a:t> { </a:t>
-            </a:r>
-          </a:p>
-          <a:p>
-            <a:r>
-              <a:rPr lang="en-US" dirty="0">
-                <a:latin typeface="Calibri" pitchFamily="34" charset="0"/>
-              </a:rPr>
-              <a:t> </a:t>
-            </a:r>
-            <a:r>
-              <a:rPr lang="en-US" dirty="0" smtClean="0">
-                <a:latin typeface="Calibri" pitchFamily="34" charset="0"/>
-              </a:rPr>
-              <a:t>    path</a:t>
-            </a:r>
-            <a:r>
-              <a:rPr lang="en-US" dirty="0">
-                <a:latin typeface="Calibri" pitchFamily="34" charset="0"/>
-              </a:rPr>
-              <a:t>:</a:t>
-            </a:r>
-            <a:r>
-              <a:rPr lang="en-US" dirty="0" smtClean="0">
-                <a:latin typeface="Calibri" pitchFamily="34" charset="0"/>
-              </a:rPr>
-              <a:t> </a:t>
-            </a:r>
-            <a:r>
-              <a:rPr lang="en-US" dirty="0">
-                <a:latin typeface="Calibri" pitchFamily="34" charset="0"/>
-              </a:rPr>
-              <a:t>'/'</a:t>
-            </a:r>
-            <a:r>
-              <a:rPr lang="en-US" dirty="0" smtClean="0">
-                <a:latin typeface="Calibri" pitchFamily="34" charset="0"/>
-              </a:rPr>
-              <a:t>, </a:t>
-            </a:r>
-          </a:p>
-          <a:p>
-            <a:r>
-              <a:rPr lang="en-US" dirty="0">
-                <a:latin typeface="Calibri" pitchFamily="34" charset="0"/>
-              </a:rPr>
-              <a:t> </a:t>
-            </a:r>
-            <a:r>
-              <a:rPr lang="en-US" dirty="0" smtClean="0">
-                <a:latin typeface="Calibri" pitchFamily="34" charset="0"/>
-              </a:rPr>
-              <a:t>    component</a:t>
-            </a:r>
-            <a:r>
-              <a:rPr lang="en-US" dirty="0">
-                <a:latin typeface="Calibri" pitchFamily="34" charset="0"/>
-              </a:rPr>
-              <a:t>:</a:t>
-            </a:r>
-            <a:r>
-              <a:rPr lang="en-US" dirty="0" smtClean="0">
-                <a:latin typeface="Calibri" pitchFamily="34" charset="0"/>
-              </a:rPr>
-              <a:t> App, </a:t>
-            </a:r>
-          </a:p>
-          <a:p>
-            <a:r>
-              <a:rPr lang="en-US" dirty="0">
-                <a:latin typeface="Calibri" pitchFamily="34" charset="0"/>
-              </a:rPr>
-              <a:t> </a:t>
-            </a:r>
-            <a:r>
-              <a:rPr lang="en-US" dirty="0" smtClean="0">
-                <a:latin typeface="Calibri" pitchFamily="34" charset="0"/>
-              </a:rPr>
-              <a:t>    </a:t>
-            </a:r>
-            <a:r>
-              <a:rPr lang="en-US" dirty="0" err="1" smtClean="0">
-                <a:latin typeface="Calibri" pitchFamily="34" charset="0"/>
-              </a:rPr>
-              <a:t>indexRoute</a:t>
-            </a:r>
-            <a:r>
-              <a:rPr lang="en-US" dirty="0">
-                <a:latin typeface="Calibri" pitchFamily="34" charset="0"/>
-              </a:rPr>
-              <a:t>:</a:t>
-            </a:r>
-            <a:r>
-              <a:rPr lang="en-US" dirty="0" smtClean="0">
-                <a:latin typeface="Calibri" pitchFamily="34" charset="0"/>
-              </a:rPr>
-              <a:t> { </a:t>
-            </a:r>
-          </a:p>
-          <a:p>
-            <a:r>
-              <a:rPr lang="en-US" dirty="0">
-                <a:latin typeface="Calibri" pitchFamily="34" charset="0"/>
-              </a:rPr>
-              <a:t> </a:t>
-            </a:r>
-            <a:r>
-              <a:rPr lang="en-US" dirty="0" smtClean="0">
-                <a:latin typeface="Calibri" pitchFamily="34" charset="0"/>
-              </a:rPr>
-              <a:t>          component</a:t>
-            </a:r>
-            <a:r>
-              <a:rPr lang="en-US" dirty="0">
-                <a:latin typeface="Calibri" pitchFamily="34" charset="0"/>
-              </a:rPr>
-              <a:t>:</a:t>
-            </a:r>
-            <a:r>
-              <a:rPr lang="en-US" dirty="0" smtClean="0">
-                <a:latin typeface="Calibri" pitchFamily="34" charset="0"/>
-              </a:rPr>
-              <a:t> Home </a:t>
-            </a:r>
-          </a:p>
-          <a:p>
-            <a:r>
-              <a:rPr lang="en-US" dirty="0">
-                <a:latin typeface="Calibri" pitchFamily="34" charset="0"/>
-              </a:rPr>
-              <a:t> </a:t>
-            </a:r>
-            <a:r>
-              <a:rPr lang="en-US" dirty="0" smtClean="0">
-                <a:latin typeface="Calibri" pitchFamily="34" charset="0"/>
-              </a:rPr>
-              <a:t>          }, </a:t>
-            </a:r>
-          </a:p>
-          <a:p>
-            <a:r>
-              <a:rPr lang="en-US" dirty="0">
-                <a:latin typeface="Calibri" pitchFamily="34" charset="0"/>
-              </a:rPr>
-              <a:t> </a:t>
-            </a:r>
-            <a:r>
-              <a:rPr lang="en-US" dirty="0" smtClean="0">
-                <a:latin typeface="Calibri" pitchFamily="34" charset="0"/>
-              </a:rPr>
-              <a:t>    </a:t>
-            </a:r>
-            <a:r>
-              <a:rPr lang="en-US" dirty="0" err="1" smtClean="0">
-                <a:latin typeface="Calibri" pitchFamily="34" charset="0"/>
-              </a:rPr>
-              <a:t>childRoutes</a:t>
-            </a:r>
-            <a:r>
-              <a:rPr lang="en-US" dirty="0">
-                <a:latin typeface="Calibri" pitchFamily="34" charset="0"/>
-              </a:rPr>
-              <a:t>:</a:t>
-            </a:r>
-            <a:r>
-              <a:rPr lang="en-US" dirty="0" smtClean="0">
-                <a:latin typeface="Calibri" pitchFamily="34" charset="0"/>
-              </a:rPr>
-              <a:t> [ { </a:t>
-            </a:r>
-          </a:p>
-          <a:p>
-            <a:r>
-              <a:rPr lang="en-US" dirty="0">
-                <a:latin typeface="Calibri" pitchFamily="34" charset="0"/>
-              </a:rPr>
-              <a:t> </a:t>
-            </a:r>
-            <a:r>
-              <a:rPr lang="en-US" dirty="0" smtClean="0">
-                <a:latin typeface="Calibri" pitchFamily="34" charset="0"/>
-              </a:rPr>
-              <a:t>           path</a:t>
-            </a:r>
-            <a:r>
-              <a:rPr lang="en-US" dirty="0">
-                <a:latin typeface="Calibri" pitchFamily="34" charset="0"/>
-              </a:rPr>
-              <a:t>:</a:t>
-            </a:r>
-            <a:r>
-              <a:rPr lang="en-US" dirty="0" smtClean="0">
-                <a:latin typeface="Calibri" pitchFamily="34" charset="0"/>
-              </a:rPr>
-              <a:t> </a:t>
-            </a:r>
-            <a:r>
-              <a:rPr lang="en-US" dirty="0">
-                <a:latin typeface="Calibri" pitchFamily="34" charset="0"/>
-              </a:rPr>
-              <a:t>'about'</a:t>
-            </a:r>
-            <a:r>
-              <a:rPr lang="en-US" dirty="0" smtClean="0">
-                <a:latin typeface="Calibri" pitchFamily="34" charset="0"/>
-              </a:rPr>
-              <a:t>, </a:t>
-            </a:r>
-          </a:p>
-          <a:p>
-            <a:r>
-              <a:rPr lang="en-US" dirty="0">
-                <a:latin typeface="Calibri" pitchFamily="34" charset="0"/>
-              </a:rPr>
-              <a:t> </a:t>
-            </a:r>
-            <a:r>
-              <a:rPr lang="en-US" dirty="0" smtClean="0">
-                <a:latin typeface="Calibri" pitchFamily="34" charset="0"/>
-              </a:rPr>
-              <a:t>           component</a:t>
-            </a:r>
-            <a:r>
-              <a:rPr lang="en-US" dirty="0">
-                <a:latin typeface="Calibri" pitchFamily="34" charset="0"/>
-              </a:rPr>
-              <a:t>:</a:t>
-            </a:r>
-            <a:r>
-              <a:rPr lang="en-US" dirty="0" smtClean="0">
-                <a:latin typeface="Calibri" pitchFamily="34" charset="0"/>
-              </a:rPr>
-              <a:t> About </a:t>
-            </a:r>
-          </a:p>
-          <a:p>
-            <a:r>
-              <a:rPr lang="en-US" dirty="0">
-                <a:latin typeface="Calibri" pitchFamily="34" charset="0"/>
-              </a:rPr>
-              <a:t> </a:t>
-            </a:r>
-            <a:r>
-              <a:rPr lang="en-US" dirty="0" smtClean="0">
-                <a:latin typeface="Calibri" pitchFamily="34" charset="0"/>
-              </a:rPr>
-              <a:t>           }, </a:t>
-            </a:r>
-          </a:p>
-          <a:p>
-            <a:r>
-              <a:rPr lang="en-US" dirty="0">
-                <a:latin typeface="Calibri" pitchFamily="34" charset="0"/>
-              </a:rPr>
-              <a:t> </a:t>
-            </a:r>
-            <a:r>
-              <a:rPr lang="en-US" dirty="0" smtClean="0">
-                <a:latin typeface="Calibri" pitchFamily="34" charset="0"/>
-              </a:rPr>
-              <a:t>           { </a:t>
-            </a:r>
-          </a:p>
-          <a:p>
-            <a:r>
-              <a:rPr lang="en-US" dirty="0">
-                <a:latin typeface="Calibri" pitchFamily="34" charset="0"/>
-              </a:rPr>
-              <a:t> </a:t>
-            </a:r>
-            <a:r>
-              <a:rPr lang="en-US" dirty="0" smtClean="0">
-                <a:latin typeface="Calibri" pitchFamily="34" charset="0"/>
-              </a:rPr>
-              <a:t>           path</a:t>
-            </a:r>
-            <a:r>
-              <a:rPr lang="en-US" dirty="0">
-                <a:latin typeface="Calibri" pitchFamily="34" charset="0"/>
-              </a:rPr>
-              <a:t>:</a:t>
-            </a:r>
-            <a:r>
-              <a:rPr lang="en-US" dirty="0" smtClean="0">
-                <a:latin typeface="Calibri" pitchFamily="34" charset="0"/>
-              </a:rPr>
-              <a:t> </a:t>
-            </a:r>
-            <a:r>
-              <a:rPr lang="en-US" dirty="0">
-                <a:latin typeface="Calibri" pitchFamily="34" charset="0"/>
-              </a:rPr>
-              <a:t>'inbox'</a:t>
-            </a:r>
-            <a:r>
-              <a:rPr lang="en-US" dirty="0" smtClean="0">
-                <a:latin typeface="Calibri" pitchFamily="34" charset="0"/>
-              </a:rPr>
-              <a:t>, </a:t>
-            </a:r>
-          </a:p>
-          <a:p>
-            <a:r>
-              <a:rPr lang="en-US" dirty="0">
-                <a:latin typeface="Calibri" pitchFamily="34" charset="0"/>
-              </a:rPr>
-              <a:t> </a:t>
-            </a:r>
-            <a:r>
-              <a:rPr lang="en-US" dirty="0" smtClean="0">
-                <a:latin typeface="Calibri" pitchFamily="34" charset="0"/>
-              </a:rPr>
-              <a:t>           component</a:t>
-            </a:r>
-            <a:r>
-              <a:rPr lang="en-US" dirty="0">
-                <a:latin typeface="Calibri" pitchFamily="34" charset="0"/>
-              </a:rPr>
-              <a:t>:</a:t>
-            </a:r>
-            <a:r>
-              <a:rPr lang="en-US" dirty="0" smtClean="0">
-                <a:latin typeface="Calibri" pitchFamily="34" charset="0"/>
-              </a:rPr>
-              <a:t> Inbox </a:t>
-            </a:r>
-          </a:p>
-          <a:p>
-            <a:r>
-              <a:rPr lang="en-US" dirty="0" smtClean="0">
-                <a:latin typeface="Calibri" pitchFamily="34" charset="0"/>
-              </a:rPr>
-              <a:t>       }, ] </a:t>
-            </a:r>
-          </a:p>
-          <a:p>
-            <a:r>
-              <a:rPr lang="en-US" dirty="0" smtClean="0">
-                <a:latin typeface="Calibri" pitchFamily="34" charset="0"/>
-              </a:rPr>
-              <a:t>} </a:t>
-            </a:r>
-          </a:p>
-          <a:p>
-            <a:r>
-              <a:rPr lang="en-US" dirty="0" smtClean="0">
-                <a:latin typeface="Calibri" pitchFamily="34" charset="0"/>
-              </a:rPr>
-              <a:t>render(</a:t>
-            </a:r>
-            <a:r>
-              <a:rPr lang="en-US" dirty="0">
-                <a:latin typeface="Calibri" pitchFamily="34" charset="0"/>
-              </a:rPr>
-              <a:t>&lt;</a:t>
-            </a:r>
-            <a:r>
-              <a:rPr lang="en-US" dirty="0" smtClean="0">
-                <a:latin typeface="Calibri" pitchFamily="34" charset="0"/>
-              </a:rPr>
-              <a:t>Router history={hashHistory} routes</a:t>
-            </a:r>
-            <a:r>
-              <a:rPr lang="en-US" dirty="0">
-                <a:latin typeface="Calibri" pitchFamily="34" charset="0"/>
-              </a:rPr>
-              <a:t>=</a:t>
-            </a:r>
-            <a:r>
-              <a:rPr lang="en-US" dirty="0" smtClean="0">
-                <a:latin typeface="Calibri" pitchFamily="34" charset="0"/>
-              </a:rPr>
-              <a:t>{routes} /&gt;, </a:t>
-            </a:r>
-            <a:r>
-              <a:rPr lang="en-US" dirty="0" err="1" smtClean="0">
+              <a:rPr lang="en-US" dirty="0">
+                <a:latin typeface="Calibri" pitchFamily="34" charset="0"/>
+              </a:rPr>
+              <a:t>={routes} /&gt;, </a:t>
+            </a:r>
+            <a:r>
+              <a:rPr lang="en-US" dirty="0" err="1">
                 <a:latin typeface="Calibri" pitchFamily="34" charset="0"/>
               </a:rPr>
               <a:t>document.body</a:t>
             </a:r>
             <a:r>
-              <a:rPr lang="en-US" dirty="0" smtClean="0">
+              <a:rPr lang="en-US" dirty="0">
                 <a:latin typeface="Calibri" pitchFamily="34" charset="0"/>
               </a:rPr>
               <a:t>)</a:t>
@@ -2930,7 +2781,7 @@
           <a:lstStyle/>
           <a:p>
             <a:r>
-              <a:rPr lang="en-US" dirty="0" smtClean="0"/>
+              <a:rPr lang="en-US" dirty="0"/>
               <a:t>history</a:t>
             </a:r>
             <a:endParaRPr lang="uk-UA" dirty="0"/>
@@ -2946,7 +2797,7 @@
         <p:spPr>
           <a:xfrm>
             <a:off x="899592" y="2060848"/>
-            <a:ext cx="7056784" cy="3447098"/>
+            <a:ext cx="7056784" cy="2862322"/>
           </a:xfrm>
           <a:prstGeom prst="rect">
             <a:avLst/>
@@ -2960,38 +2811,38 @@
           <a:lstStyle/>
           <a:p>
             <a:r>
-              <a:rPr lang="ru-RU" sz="2000" dirty="0" smtClean="0">
+              <a:rPr lang="ru-RU" dirty="0">
                 <a:latin typeface="Calibri" pitchFamily="34" charset="0"/>
               </a:rPr>
               <a:t>В </a:t>
             </a:r>
             <a:r>
-              <a:rPr lang="en-US" sz="2000" dirty="0" smtClean="0">
+              <a:rPr lang="en-US" dirty="0">
                 <a:latin typeface="Calibri" pitchFamily="34" charset="0"/>
               </a:rPr>
               <a:t>react-router </a:t>
             </a:r>
             <a:r>
-              <a:rPr lang="ru-RU" sz="2000" dirty="0" smtClean="0">
+              <a:rPr lang="ru-RU" dirty="0">
                 <a:latin typeface="Calibri" pitchFamily="34" charset="0"/>
               </a:rPr>
               <a:t>доступно два вида истории</a:t>
             </a:r>
             <a:r>
-              <a:rPr lang="en-US" sz="2000" dirty="0" smtClean="0">
+              <a:rPr lang="en-US" dirty="0">
                 <a:latin typeface="Calibri" pitchFamily="34" charset="0"/>
               </a:rPr>
               <a:t>:</a:t>
             </a:r>
             <a:r>
-              <a:rPr lang="ru-RU" sz="2000" dirty="0" smtClean="0">
+              <a:rPr lang="ru-RU" dirty="0">
                 <a:latin typeface="Calibri" pitchFamily="34" charset="0"/>
               </a:rPr>
               <a:t> </a:t>
             </a:r>
           </a:p>
           <a:p>
-            <a:endParaRPr lang="ru-RU" sz="2000" dirty="0">
+            <a:endParaRPr lang="ru-RU" dirty="0">
               <a:latin typeface="Calibri" pitchFamily="34" charset="0"/>
             </a:endParaRPr>
           </a:p>
@@ -3001,54 +2852,66 @@
               <a:buChar char="•"/>
             </a:pPr>
             <a:r>
-              <a:rPr lang="en-US" sz="2000" dirty="0" smtClean="0">
-                <a:latin typeface="Calibri" pitchFamily="34" charset="0"/>
-              </a:rPr>
-              <a:t> hashHistory – </a:t>
-            </a:r>
-            <a:r>
-              <a:rPr lang="ru-RU" sz="2000" dirty="0" smtClean="0">
+              <a:rPr lang="en-US" dirty="0">
+                <a:latin typeface="Calibri" pitchFamily="34" charset="0"/>
+              </a:rPr>
+              <a:t> </a:t>
+            </a:r>
+            <a:r>
+              <a:rPr lang="en-US" b="1" dirty="0">
+                <a:latin typeface="Calibri" pitchFamily="34" charset="0"/>
+              </a:rPr>
+              <a:t>hashHistory</a:t>
+            </a:r>
+            <a:r>
+              <a:rPr lang="en-US" dirty="0">
+                <a:latin typeface="Calibri" pitchFamily="34" charset="0"/>
+              </a:rPr>
+              <a:t> – </a:t>
+            </a:r>
+            <a:r>
+              <a:rPr lang="ru-RU" dirty="0">
                 <a:latin typeface="Calibri" pitchFamily="34" charset="0"/>
               </a:rPr>
               <a:t>Использует символ </a:t>
             </a:r>
             <a:r>
-              <a:rPr lang="en-US" sz="2000" dirty="0" smtClean="0">
+              <a:rPr lang="en-US" dirty="0">
                 <a:latin typeface="Calibri" pitchFamily="34" charset="0"/>
               </a:rPr>
               <a:t># </a:t>
             </a:r>
             <a:r>
-              <a:rPr lang="ru-RU" sz="2000" dirty="0" smtClean="0">
+              <a:rPr lang="ru-RU" dirty="0">
                 <a:latin typeface="Calibri" pitchFamily="34" charset="0"/>
               </a:rPr>
               <a:t>при генерации </a:t>
             </a:r>
             <a:r>
-              <a:rPr lang="en-US" sz="2000" dirty="0" smtClean="0">
+              <a:rPr lang="en-US" dirty="0">
                 <a:latin typeface="Calibri" pitchFamily="34" charset="0"/>
               </a:rPr>
               <a:t>URL. </a:t>
             </a:r>
             <a:r>
-              <a:rPr lang="ru-RU" sz="2000" dirty="0" smtClean="0">
+              <a:rPr lang="ru-RU" dirty="0">
                 <a:latin typeface="Calibri" pitchFamily="34" charset="0"/>
               </a:rPr>
               <a:t>Например</a:t>
             </a:r>
             <a:r>
-              <a:rPr lang="en-US" sz="2000" dirty="0" smtClean="0">
+              <a:rPr lang="en-US" dirty="0">
                 <a:latin typeface="Calibri" pitchFamily="34" charset="0"/>
               </a:rPr>
               <a:t>: example.com/#/some/path. </a:t>
             </a:r>
             <a:r>
-              <a:rPr lang="ru-RU" sz="2000" dirty="0" smtClean="0">
+              <a:rPr lang="ru-RU" dirty="0">
                 <a:latin typeface="Calibri" pitchFamily="34" charset="0"/>
               </a:rPr>
               <a:t>Не требуется конфигурация сервера. </a:t>
             </a:r>
-            <a:endParaRPr lang="en-US" sz="2000" dirty="0" smtClean="0">
+            <a:endParaRPr lang="en-US" dirty="0">
               <a:latin typeface="Calibri" pitchFamily="34" charset="0"/>
             </a:endParaRPr>
           </a:p>
@@ -3057,7 +2920,7 @@
               <a:buFont typeface="Arial" pitchFamily="34" charset="0"/>
               <a:buChar char="•"/>
             </a:pPr>
-            <a:endParaRPr lang="en-US" sz="2000" dirty="0">
+            <a:endParaRPr lang="en-US" dirty="0">
               <a:latin typeface="Calibri" pitchFamily="34" charset="0"/>
             </a:endParaRPr>
           </a:p>
@@ -3067,96 +2930,90 @@
               <a:buChar char="•"/>
             </a:pPr>
             <a:r>
-              <a:rPr lang="en-US" sz="2000" dirty="0" smtClean="0">
+              <a:rPr lang="en-US" dirty="0">
                 <a:latin typeface="Calibri" pitchFamily="34" charset="0"/>
               </a:rPr>
               <a:t> </a:t>
             </a:r>
             <a:r>
-              <a:rPr lang="en-US" sz="2000" dirty="0" err="1" smtClean="0">
+              <a:rPr lang="en-US" b="1" dirty="0" err="1">
                 <a:latin typeface="Calibri" pitchFamily="34" charset="0"/>
               </a:rPr>
               <a:t>browserHistory</a:t>
             </a:r>
             <a:r>
-              <a:rPr lang="en-US" sz="2000" dirty="0" smtClean="0">
+              <a:rPr lang="en-US" dirty="0">
                 <a:latin typeface="Calibri" pitchFamily="34" charset="0"/>
               </a:rPr>
               <a:t> – </a:t>
             </a:r>
             <a:r>
-              <a:rPr lang="ru-RU" sz="2000" dirty="0" smtClean="0">
+              <a:rPr lang="ru-RU" dirty="0">
                 <a:latin typeface="Calibri" pitchFamily="34" charset="0"/>
               </a:rPr>
               <a:t>использует</a:t>
             </a:r>
             <a:r>
-              <a:rPr lang="en-US" sz="2000" dirty="0">
+              <a:rPr lang="en-US" dirty="0">
                 <a:latin typeface="Calibri" pitchFamily="34" charset="0"/>
               </a:rPr>
               <a:t> </a:t>
             </a:r>
             <a:r>
-              <a:rPr lang="ru-RU" sz="2000" dirty="0" smtClean="0">
+              <a:rPr lang="ru-RU" dirty="0">
                 <a:latin typeface="Calibri" pitchFamily="34" charset="0"/>
               </a:rPr>
               <a:t>встроенный </a:t>
             </a:r>
             <a:r>
-              <a:rPr lang="en-US" sz="2000" dirty="0" smtClean="0">
+              <a:rPr lang="en-US" dirty="0">
                 <a:latin typeface="Calibri" pitchFamily="34" charset="0"/>
                 <a:hlinkClick r:id="rId2"/>
               </a:rPr>
               <a:t>History</a:t>
             </a:r>
             <a:r>
-              <a:rPr lang="en-US" sz="2000" dirty="0">
+              <a:rPr lang="en-US" dirty="0">
                 <a:latin typeface="Calibri" pitchFamily="34" charset="0"/>
               </a:rPr>
               <a:t> API </a:t>
             </a:r>
             <a:r>
-              <a:rPr lang="ru-RU" sz="2000" dirty="0" smtClean="0">
+              <a:rPr lang="ru-RU" dirty="0">
                 <a:latin typeface="Calibri" pitchFamily="34" charset="0"/>
               </a:rPr>
               <a:t>для манипуляции </a:t>
             </a:r>
             <a:r>
-              <a:rPr lang="en-US" sz="2000" dirty="0" smtClean="0">
+              <a:rPr lang="en-US" dirty="0">
                 <a:latin typeface="Calibri" pitchFamily="34" charset="0"/>
               </a:rPr>
               <a:t>URL, </a:t>
             </a:r>
             <a:r>
-              <a:rPr lang="ru-RU" sz="2000" dirty="0" smtClean="0">
+              <a:rPr lang="ru-RU" dirty="0">
                 <a:latin typeface="Calibri" pitchFamily="34" charset="0"/>
               </a:rPr>
               <a:t>создавая пути, которые выглядят как</a:t>
             </a:r>
             <a:r>
-              <a:rPr lang="en-US" sz="2000" dirty="0">
-                <a:latin typeface="Calibri" pitchFamily="34" charset="0"/>
-              </a:rPr>
-              <a:t> </a:t>
-            </a:r>
-            <a:r>
-              <a:rPr lang="en-US" sz="2000" dirty="0" smtClean="0">
-                <a:latin typeface="Calibri" pitchFamily="34" charset="0"/>
-              </a:rPr>
-              <a:t>example.com/some/path.</a:t>
-            </a:r>
-            <a:r>
-              <a:rPr lang="ru-RU" sz="2000" dirty="0" smtClean="0">
+              <a:rPr lang="en-US" dirty="0">
+                <a:latin typeface="Calibri" pitchFamily="34" charset="0"/>
+              </a:rPr>
+              <a:t> example.com/some/path.</a:t>
+            </a:r>
+            <a:r>
+              <a:rPr lang="ru-RU" dirty="0">
                 <a:latin typeface="Calibri" pitchFamily="34" charset="0"/>
               </a:rPr>
               <a:t> Для работы требует конфигурации сервера. </a:t>
             </a:r>
-            <a:endParaRPr lang="en-US" sz="2000" dirty="0" smtClean="0">
+            <a:endParaRPr lang="en-US" dirty="0">
               <a:latin typeface="Calibri" pitchFamily="34" charset="0"/>
             </a:endParaRPr>
           </a:p>
           <a:p>
-            <a:endParaRPr lang="en-US" dirty="0" smtClean="0"/>
+            <a:endParaRPr lang="en-US" dirty="0"/>
           </a:p>
         </p:txBody>
       </p:sp>
@@ -3201,7 +3058,7 @@
           <a:lstStyle/>
           <a:p>
             <a:r>
-              <a:rPr lang="en-US" dirty="0" smtClean="0"/>
+              <a:rPr lang="en-US" dirty="0"/>
               <a:t>Route matching</a:t>
             </a:r>
             <a:endParaRPr lang="uk-UA" dirty="0"/>
@@ -3235,38 +3092,32 @@
               <a:buChar char="•"/>
             </a:pPr>
             <a:r>
-              <a:rPr lang="ru-RU" dirty="0" smtClean="0">
-                <a:latin typeface="Calibri" pitchFamily="34" charset="0"/>
-              </a:rPr>
-              <a:t> :</a:t>
-            </a:r>
-            <a:r>
-              <a:rPr lang="ru-RU" dirty="0" err="1" smtClean="0">
+              <a:rPr lang="ru-RU" dirty="0">
+                <a:latin typeface="Calibri" pitchFamily="34" charset="0"/>
+              </a:rPr>
+              <a:t> </a:t>
+            </a:r>
+            <a:r>
+              <a:rPr lang="ru-RU" b="1" dirty="0">
+                <a:latin typeface="Calibri" pitchFamily="34" charset="0"/>
+              </a:rPr>
+              <a:t>:</a:t>
+            </a:r>
+            <a:r>
+              <a:rPr lang="ru-RU" b="1" dirty="0" err="1">
                 <a:latin typeface="Calibri" pitchFamily="34" charset="0"/>
               </a:rPr>
               <a:t>paramName</a:t>
             </a:r>
             <a:r>
-              <a:rPr lang="ru-RU" dirty="0" smtClean="0">
-                <a:latin typeface="Calibri" pitchFamily="34" charset="0"/>
-              </a:rPr>
-              <a:t> - соответствует сегменту URL до следующего символа /, ?, или #, называетс</a:t>
-            </a:r>
-            <a:r>
-              <a:rPr lang="ru-RU" dirty="0">
-                <a:latin typeface="Calibri" pitchFamily="34" charset="0"/>
-              </a:rPr>
-              <a:t>я</a:t>
-            </a:r>
-            <a:r>
-              <a:rPr lang="ru-RU" dirty="0" smtClean="0">
-                <a:latin typeface="Calibri" pitchFamily="34" charset="0"/>
-              </a:rPr>
-              <a:t> параметром. </a:t>
-            </a:r>
-          </a:p>
-          <a:p>
-            <a:endParaRPr lang="ru-RU" dirty="0" smtClean="0">
+              <a:rPr lang="ru-RU" dirty="0">
+                <a:latin typeface="Calibri" pitchFamily="34" charset="0"/>
+              </a:rPr>
+              <a:t> - соответствует сегменту URL до следующего символа /, ?, или #, называется параметром. </a:t>
+            </a:r>
+          </a:p>
+          <a:p>
+            <a:endParaRPr lang="ru-RU" dirty="0">
               <a:latin typeface="Calibri" pitchFamily="34" charset="0"/>
             </a:endParaRPr>
           </a:p>
@@ -3276,26 +3127,26 @@
               <a:buChar char="•"/>
             </a:pPr>
             <a:r>
-              <a:rPr lang="ru-RU" dirty="0" smtClean="0">
-                <a:latin typeface="Calibri" pitchFamily="34" charset="0"/>
-              </a:rPr>
-              <a:t> () - заключенна</a:t>
-            </a:r>
-            <a:r>
-              <a:rPr lang="ru-RU" dirty="0">
-                <a:latin typeface="Calibri" pitchFamily="34" charset="0"/>
-              </a:rPr>
-              <a:t>я</a:t>
-            </a:r>
-            <a:r>
-              <a:rPr lang="ru-RU" dirty="0" smtClean="0">
-                <a:latin typeface="Calibri" pitchFamily="34" charset="0"/>
-              </a:rPr>
-              <a:t> в скобки часть URL не обязательна</a:t>
-            </a:r>
-          </a:p>
-          <a:p>
-            <a:endParaRPr lang="ru-RU" dirty="0" smtClean="0">
+              <a:rPr lang="ru-RU" dirty="0">
+                <a:latin typeface="Calibri" pitchFamily="34" charset="0"/>
+              </a:rPr>
+              <a:t> </a:t>
+            </a:r>
+            <a:r>
+              <a:rPr lang="ru-RU" b="1" dirty="0">
+                <a:latin typeface="Calibri" pitchFamily="34" charset="0"/>
+              </a:rPr>
+              <a:t>()</a:t>
+            </a:r>
+            <a:r>
+              <a:rPr lang="ru-RU" dirty="0">
+                <a:latin typeface="Calibri" pitchFamily="34" charset="0"/>
+              </a:rPr>
+              <a:t> - заключенная в скобки часть URL не обязательна</a:t>
+            </a:r>
+          </a:p>
+          <a:p>
+            <a:endParaRPr lang="ru-RU" dirty="0">
               <a:latin typeface="Calibri" pitchFamily="34" charset="0"/>
             </a:endParaRPr>
           </a:p>
@@ -3305,38 +3156,50 @@
               <a:buChar char="•"/>
             </a:pPr>
             <a:r>
-              <a:rPr lang="ru-RU" dirty="0" smtClean="0">
-                <a:latin typeface="Calibri" pitchFamily="34" charset="0"/>
-              </a:rPr>
-              <a:t> * - соответствует всем символам(</a:t>
-            </a:r>
-            <a:r>
-              <a:rPr lang="ru-RU" dirty="0" err="1" smtClean="0">
+              <a:rPr lang="ru-RU" dirty="0">
+                <a:latin typeface="Calibri" pitchFamily="34" charset="0"/>
+              </a:rPr>
+              <a:t> </a:t>
+            </a:r>
+            <a:r>
+              <a:rPr lang="ru-RU" b="1" dirty="0">
+                <a:latin typeface="Calibri" pitchFamily="34" charset="0"/>
+              </a:rPr>
+              <a:t>*</a:t>
+            </a:r>
+            <a:r>
+              <a:rPr lang="ru-RU" dirty="0">
+                <a:latin typeface="Calibri" pitchFamily="34" charset="0"/>
+              </a:rPr>
+              <a:t> - соответствует всем символам(</a:t>
+            </a:r>
+            <a:r>
+              <a:rPr lang="ru-RU" dirty="0" err="1">
                 <a:latin typeface="Calibri" pitchFamily="34" charset="0"/>
               </a:rPr>
               <a:t>non-greedy</a:t>
             </a:r>
             <a:r>
-              <a:rPr lang="ru-RU" dirty="0" smtClean="0">
+              <a:rPr lang="ru-RU" dirty="0">
                 <a:latin typeface="Calibri" pitchFamily="34" charset="0"/>
               </a:rPr>
               <a:t>) до следующего символа в паттерне, или до конца URL, если таковых нет, и создает </a:t>
             </a:r>
             <a:r>
-              <a:rPr lang="ru-RU" dirty="0" err="1" smtClean="0">
+              <a:rPr lang="ru-RU" dirty="0" err="1">
                 <a:latin typeface="Calibri" pitchFamily="34" charset="0"/>
               </a:rPr>
               <a:t>splat</a:t>
             </a:r>
             <a:r>
-              <a:rPr lang="ru-RU" dirty="0" smtClean="0">
+              <a:rPr lang="ru-RU" dirty="0">
                 <a:latin typeface="Calibri" pitchFamily="34" charset="0"/>
               </a:rPr>
               <a:t> параметр</a:t>
             </a:r>
           </a:p>
           <a:p>
-            <a:endParaRPr lang="ru-RU" dirty="0" smtClean="0">
+            <a:endParaRPr lang="ru-RU" dirty="0">
               <a:latin typeface="Calibri" pitchFamily="34" charset="0"/>
             </a:endParaRPr>
           </a:p>
@@ -3346,43 +3209,55 @@
               <a:buChar char="•"/>
             </a:pPr>
             <a:r>
-              <a:rPr lang="ru-RU" dirty="0" smtClean="0">
-                <a:latin typeface="Calibri" pitchFamily="34" charset="0"/>
-              </a:rPr>
-              <a:t> ** - соответствует всем символам (</a:t>
-            </a:r>
-            <a:r>
-              <a:rPr lang="ru-RU" dirty="0" err="1" smtClean="0">
+              <a:rPr lang="ru-RU" dirty="0">
+                <a:latin typeface="Calibri" pitchFamily="34" charset="0"/>
+              </a:rPr>
+              <a:t> </a:t>
+            </a:r>
+            <a:r>
+              <a:rPr lang="ru-RU" b="1" dirty="0">
+                <a:latin typeface="Calibri" pitchFamily="34" charset="0"/>
+              </a:rPr>
+              <a:t>**</a:t>
+            </a:r>
+            <a:r>
+              <a:rPr lang="ru-RU" dirty="0">
+                <a:latin typeface="Calibri" pitchFamily="34" charset="0"/>
+              </a:rPr>
+              <a:t> - соответствует всем символам (</a:t>
+            </a:r>
+            <a:r>
+              <a:rPr lang="ru-RU" dirty="0" err="1">
                 <a:latin typeface="Calibri" pitchFamily="34" charset="0"/>
               </a:rPr>
               <a:t>greedy</a:t>
             </a:r>
             <a:r>
-              <a:rPr lang="ru-RU" dirty="0" smtClean="0">
+              <a:rPr lang="ru-RU" dirty="0">
                 <a:latin typeface="Calibri" pitchFamily="34" charset="0"/>
               </a:rPr>
               <a:t>) до следующего </a:t>
             </a:r>
             <a:r>
-              <a:rPr lang="ru-RU" dirty="0" err="1" smtClean="0">
+              <a:rPr lang="ru-RU" dirty="0" err="1">
                 <a:latin typeface="Calibri" pitchFamily="34" charset="0"/>
               </a:rPr>
               <a:t>сиимвола</a:t>
             </a:r>
             <a:r>
-              <a:rPr lang="ru-RU" dirty="0" smtClean="0">
+              <a:rPr lang="ru-RU" dirty="0">
                 <a:latin typeface="Calibri" pitchFamily="34" charset="0"/>
               </a:rPr>
               <a:t> /, ?, или #и создает </a:t>
             </a:r>
             <a:r>
-              <a:rPr lang="ru-RU" dirty="0" err="1" smtClean="0">
+              <a:rPr lang="ru-RU" dirty="0" err="1">
                 <a:latin typeface="Calibri" pitchFamily="34" charset="0"/>
               </a:rPr>
               <a:t>splat</a:t>
             </a:r>
             <a:r>
-              <a:rPr lang="ru-RU" dirty="0" smtClean="0">
+              <a:rPr lang="ru-RU" dirty="0">
                 <a:latin typeface="Calibri" pitchFamily="34" charset="0"/>
               </a:rPr>
               <a:t> параметр </a:t>
@@ -3416,61 +3291,61 @@
           <a:lstStyle/>
           <a:p>
             <a:r>
-              <a:rPr lang="ru-RU" dirty="0" smtClean="0">
+              <a:rPr lang="ru-RU" dirty="0">
                 <a:latin typeface="Calibri" pitchFamily="34" charset="0"/>
               </a:rPr>
               <a:t>Путь маршрутизации(</a:t>
             </a:r>
             <a:r>
-              <a:rPr lang="en-US" dirty="0" smtClean="0">
+              <a:rPr lang="en-US" dirty="0">
                 <a:latin typeface="Calibri" pitchFamily="34" charset="0"/>
               </a:rPr>
               <a:t>route path</a:t>
             </a:r>
             <a:r>
-              <a:rPr lang="ru-RU" dirty="0" smtClean="0">
+              <a:rPr lang="ru-RU" dirty="0">
                 <a:latin typeface="Calibri" pitchFamily="34" charset="0"/>
               </a:rPr>
               <a:t>)</a:t>
             </a:r>
             <a:r>
-              <a:rPr lang="en-US" dirty="0" smtClean="0">
+              <a:rPr lang="en-US" dirty="0">
                 <a:latin typeface="Calibri" pitchFamily="34" charset="0"/>
               </a:rPr>
               <a:t> – </a:t>
             </a:r>
             <a:r>
-              <a:rPr lang="ru-RU" dirty="0" smtClean="0">
+              <a:rPr lang="ru-RU" dirty="0">
                 <a:latin typeface="Calibri" pitchFamily="34" charset="0"/>
               </a:rPr>
               <a:t>строка-паттерн, которая используется для сравнения с </a:t>
             </a:r>
             <a:r>
-              <a:rPr lang="en-US" dirty="0" smtClean="0">
+              <a:rPr lang="en-US" dirty="0">
                 <a:latin typeface="Calibri" pitchFamily="34" charset="0"/>
               </a:rPr>
               <a:t>URL(</a:t>
             </a:r>
             <a:r>
-              <a:rPr lang="ru-RU" dirty="0" smtClean="0">
+              <a:rPr lang="ru-RU" dirty="0">
                 <a:latin typeface="Calibri" pitchFamily="34" charset="0"/>
               </a:rPr>
               <a:t>или его частью</a:t>
             </a:r>
             <a:r>
-              <a:rPr lang="en-US" dirty="0" smtClean="0">
+              <a:rPr lang="en-US" dirty="0">
                 <a:latin typeface="Calibri" pitchFamily="34" charset="0"/>
               </a:rPr>
               <a:t>)</a:t>
             </a:r>
             <a:r>
-              <a:rPr lang="ru-RU" dirty="0" smtClean="0">
+              <a:rPr lang="ru-RU" dirty="0">
                 <a:latin typeface="Calibri" pitchFamily="34" charset="0"/>
               </a:rPr>
               <a:t>. Путь маршрутизации интерпретируется буквально, за исключением следующих специальных символов</a:t>
             </a:r>
             <a:r>
-              <a:rPr lang="en-US" dirty="0" smtClean="0">
+              <a:rPr lang="en-US" dirty="0">
                 <a:latin typeface="Calibri" pitchFamily="34" charset="0"/>
               </a:rPr>
               <a:t>: </a:t>
